--- a/2 - Approche agile/1 - Cours/4 - Git/Formation Git.pptx
+++ b/2 - Approche agile/1 - Cours/4 - Git/Formation Git.pptx
@@ -1249,7 +1249,7 @@
           <a:p>
             <a:fld id="{C4B5CFF1-3F32-47C3-9A7A-B669CB22E9F7}" type="datetime1">
               <a:rPr lang="en-US" smtClean="0"/>
-              <a:t>1/2/2025</a:t>
+              <a:t>1/16/2025</a:t>
             </a:fld>
             <a:endParaRPr lang="en-US" dirty="0"/>
           </a:p>
@@ -1504,7 +1504,7 @@
           <a:p>
             <a:fld id="{93298FC0-CD88-4136-845E-1F04C0A29EA0}" type="datetime1">
               <a:rPr lang="en-US" smtClean="0"/>
-              <a:t>1/2/2025</a:t>
+              <a:t>1/16/2025</a:t>
             </a:fld>
             <a:endParaRPr lang="en-US" dirty="0"/>
           </a:p>
@@ -1822,7 +1822,7 @@
           <a:p>
             <a:fld id="{466AB140-1783-4E35-BF3D-811030599D07}" type="datetime1">
               <a:rPr lang="en-US" smtClean="0"/>
-              <a:t>1/2/2025</a:t>
+              <a:t>1/16/2025</a:t>
             </a:fld>
             <a:endParaRPr lang="en-US" dirty="0"/>
           </a:p>
@@ -2167,7 +2167,7 @@
           <a:p>
             <a:fld id="{E130B2B4-045C-4393-B6F2-06BE46C0C5BC}" type="datetime1">
               <a:rPr lang="en-US" smtClean="0"/>
-              <a:t>1/2/2025</a:t>
+              <a:t>1/16/2025</a:t>
             </a:fld>
             <a:endParaRPr lang="en-US" dirty="0"/>
           </a:p>
@@ -2485,7 +2485,7 @@
           <a:p>
             <a:fld id="{D3733B45-FAA0-4A33-BB11-5134E170FCC2}" type="datetime1">
               <a:rPr lang="en-US" smtClean="0"/>
-              <a:t>1/2/2025</a:t>
+              <a:t>1/16/2025</a:t>
             </a:fld>
             <a:endParaRPr lang="en-US" dirty="0"/>
           </a:p>
@@ -2882,7 +2882,7 @@
           <a:p>
             <a:fld id="{B0CE2DDD-3EB1-40A5-A2BB-60B8B46E8263}" type="datetime1">
               <a:rPr lang="en-US" smtClean="0"/>
-              <a:t>1/2/2025</a:t>
+              <a:t>1/16/2025</a:t>
             </a:fld>
             <a:endParaRPr lang="en-US" dirty="0"/>
           </a:p>
@@ -3056,7 +3056,7 @@
           <a:p>
             <a:fld id="{36AE08E3-9EA1-4620-A8D2-6064565BC400}" type="datetime1">
               <a:rPr lang="en-US" smtClean="0"/>
-              <a:t>1/2/2025</a:t>
+              <a:t>1/16/2025</a:t>
             </a:fld>
             <a:endParaRPr lang="en-US" dirty="0"/>
           </a:p>
@@ -3240,7 +3240,7 @@
           <a:p>
             <a:fld id="{8B7A2DC0-1816-4DBF-B4D2-116C6DFCF4AE}" type="datetime1">
               <a:rPr lang="en-US" smtClean="0"/>
-              <a:t>1/2/2025</a:t>
+              <a:t>1/16/2025</a:t>
             </a:fld>
             <a:endParaRPr lang="en-US" dirty="0"/>
           </a:p>
@@ -3420,7 +3420,7 @@
           <a:p>
             <a:fld id="{90D75554-0E54-4974-9C85-4CAE4B5E6965}" type="datetime1">
               <a:rPr lang="en-US" smtClean="0"/>
-              <a:t>1/2/2025</a:t>
+              <a:t>1/16/2025</a:t>
             </a:fld>
             <a:endParaRPr lang="en-US" dirty="0"/>
           </a:p>
@@ -3671,7 +3671,7 @@
           <a:p>
             <a:fld id="{F17334EC-9BF4-4EA6-AB11-0710246ECB3D}" type="datetime1">
               <a:rPr lang="en-US" smtClean="0"/>
-              <a:t>1/2/2025</a:t>
+              <a:t>1/16/2025</a:t>
             </a:fld>
             <a:endParaRPr lang="en-US" dirty="0"/>
           </a:p>
@@ -3907,7 +3907,7 @@
           <a:p>
             <a:fld id="{1C309F3D-484C-451C-A1F7-8A6B95CAC6ED}" type="datetime1">
               <a:rPr lang="en-US" smtClean="0"/>
-              <a:t>1/2/2025</a:t>
+              <a:t>1/16/2025</a:t>
             </a:fld>
             <a:endParaRPr lang="en-US" dirty="0"/>
           </a:p>
@@ -4285,7 +4285,7 @@
           <a:p>
             <a:fld id="{C9A9F804-DF52-487C-85B8-37B814D93356}" type="datetime1">
               <a:rPr lang="en-US" smtClean="0"/>
-              <a:t>1/2/2025</a:t>
+              <a:t>1/16/2025</a:t>
             </a:fld>
             <a:endParaRPr lang="en-US" dirty="0"/>
           </a:p>
@@ -4412,7 +4412,7 @@
           <a:p>
             <a:fld id="{1D720BD6-06A3-446D-98BF-4E82427C640A}" type="datetime1">
               <a:rPr lang="en-US" smtClean="0"/>
-              <a:t>1/2/2025</a:t>
+              <a:t>1/16/2025</a:t>
             </a:fld>
             <a:endParaRPr lang="en-US" dirty="0"/>
           </a:p>
@@ -4511,7 +4511,7 @@
           <a:p>
             <a:fld id="{EFD787C8-6B34-43D8-8D62-995D61C4878A}" type="datetime1">
               <a:rPr lang="en-US" smtClean="0"/>
-              <a:t>1/2/2025</a:t>
+              <a:t>1/16/2025</a:t>
             </a:fld>
             <a:endParaRPr lang="en-US" dirty="0"/>
           </a:p>
@@ -4770,7 +4770,7 @@
           <a:p>
             <a:fld id="{3069DEF7-9D7F-4140-BC2F-D2BFE81FAD9D}" type="datetime1">
               <a:rPr lang="en-US" smtClean="0"/>
-              <a:t>1/2/2025</a:t>
+              <a:t>1/16/2025</a:t>
             </a:fld>
             <a:endParaRPr lang="en-US" dirty="0"/>
           </a:p>
@@ -5037,7 +5037,7 @@
           <a:p>
             <a:fld id="{79C4BAC1-7203-4051-8E1E-2AB1B3A3A7FB}" type="datetime1">
               <a:rPr lang="en-US" smtClean="0"/>
-              <a:t>1/2/2025</a:t>
+              <a:t>1/16/2025</a:t>
             </a:fld>
             <a:endParaRPr lang="en-US" dirty="0"/>
           </a:p>
@@ -5784,7 +5784,7 @@
           <a:p>
             <a:fld id="{1C8FC6C5-B26B-49E9-8DF9-221F4390CC00}" type="datetime1">
               <a:rPr lang="en-US" smtClean="0"/>
-              <a:t>1/2/2025</a:t>
+              <a:t>1/16/2025</a:t>
             </a:fld>
             <a:endParaRPr lang="en-US" dirty="0"/>
           </a:p>
@@ -11348,7 +11348,7 @@
                 <a:effectLst/>
                 <a:latin typeface="Söhne"/>
               </a:rPr>
-              <a:t>Travailler en équipe sur un projet en permettant à plusieurs personnes de travailler sur le même code en parallèle, sans créer de conflits.</a:t>
+              <a:t>Travailler en équipe sur un projet en permettant à plusieurs personnes de travailler sur le même code en parallèle, avec gestion des conflits.</a:t>
             </a:r>
           </a:p>
           <a:p>
@@ -13670,7 +13670,26 @@
                 <a:effectLst/>
                 <a:latin typeface="Söhne"/>
               </a:rPr>
-              <a:t>GIT est utilisé dans de nombreux projets de développement de logiciels, mais il peut également être utilisé pour suivre les modifications de tout type de fichier (texte, images, vidéos, etc.). GIT est souvent utilisé conjointement avec des outils en ligne tels que GitHub, </a:t>
+              <a:t>GIT est utilisé dans de nombreux (pratiquemen</a:t>
+            </a:r>
+            <a:r>
+              <a:rPr lang="fr-FR" sz="3200" dirty="0">
+                <a:solidFill>
+                  <a:srgbClr val="374151"/>
+                </a:solidFill>
+                <a:latin typeface="Söhne"/>
+              </a:rPr>
+              <a:t>t tous) </a:t>
+            </a:r>
+            <a:r>
+              <a:rPr lang="fr-FR" sz="3200" b="0" i="0" dirty="0">
+                <a:solidFill>
+                  <a:srgbClr val="374151"/>
+                </a:solidFill>
+                <a:effectLst/>
+                <a:latin typeface="Söhne"/>
+              </a:rPr>
+              <a:t>projets de développement de logiciels, mais il peut également être utilisé pour suivre les modifications de tout type de fichier (texte, images, vidéos, etc.). GIT est souvent utilisé conjointement avec des outils en ligne tels que GitHub, </a:t>
             </a:r>
             <a:r>
               <a:rPr lang="fr-FR" sz="3200" b="0" i="0" dirty="0" err="1">

--- a/2 - Approche agile/1 - Cours/4 - Git/Formation Git.pptx
+++ b/2 - Approche agile/1 - Cours/4 - Git/Formation Git.pptx
@@ -1249,7 +1249,7 @@
           <a:p>
             <a:fld id="{C4B5CFF1-3F32-47C3-9A7A-B669CB22E9F7}" type="datetime1">
               <a:rPr lang="en-US" smtClean="0"/>
-              <a:t>1/16/2025</a:t>
+              <a:t>2/4/2025</a:t>
             </a:fld>
             <a:endParaRPr lang="en-US" dirty="0"/>
           </a:p>
@@ -1504,7 +1504,7 @@
           <a:p>
             <a:fld id="{93298FC0-CD88-4136-845E-1F04C0A29EA0}" type="datetime1">
               <a:rPr lang="en-US" smtClean="0"/>
-              <a:t>1/16/2025</a:t>
+              <a:t>2/4/2025</a:t>
             </a:fld>
             <a:endParaRPr lang="en-US" dirty="0"/>
           </a:p>
@@ -1822,7 +1822,7 @@
           <a:p>
             <a:fld id="{466AB140-1783-4E35-BF3D-811030599D07}" type="datetime1">
               <a:rPr lang="en-US" smtClean="0"/>
-              <a:t>1/16/2025</a:t>
+              <a:t>2/4/2025</a:t>
             </a:fld>
             <a:endParaRPr lang="en-US" dirty="0"/>
           </a:p>
@@ -2167,7 +2167,7 @@
           <a:p>
             <a:fld id="{E130B2B4-045C-4393-B6F2-06BE46C0C5BC}" type="datetime1">
               <a:rPr lang="en-US" smtClean="0"/>
-              <a:t>1/16/2025</a:t>
+              <a:t>2/4/2025</a:t>
             </a:fld>
             <a:endParaRPr lang="en-US" dirty="0"/>
           </a:p>
@@ -2485,7 +2485,7 @@
           <a:p>
             <a:fld id="{D3733B45-FAA0-4A33-BB11-5134E170FCC2}" type="datetime1">
               <a:rPr lang="en-US" smtClean="0"/>
-              <a:t>1/16/2025</a:t>
+              <a:t>2/4/2025</a:t>
             </a:fld>
             <a:endParaRPr lang="en-US" dirty="0"/>
           </a:p>
@@ -2882,7 +2882,7 @@
           <a:p>
             <a:fld id="{B0CE2DDD-3EB1-40A5-A2BB-60B8B46E8263}" type="datetime1">
               <a:rPr lang="en-US" smtClean="0"/>
-              <a:t>1/16/2025</a:t>
+              <a:t>2/4/2025</a:t>
             </a:fld>
             <a:endParaRPr lang="en-US" dirty="0"/>
           </a:p>
@@ -3056,7 +3056,7 @@
           <a:p>
             <a:fld id="{36AE08E3-9EA1-4620-A8D2-6064565BC400}" type="datetime1">
               <a:rPr lang="en-US" smtClean="0"/>
-              <a:t>1/16/2025</a:t>
+              <a:t>2/4/2025</a:t>
             </a:fld>
             <a:endParaRPr lang="en-US" dirty="0"/>
           </a:p>
@@ -3240,7 +3240,7 @@
           <a:p>
             <a:fld id="{8B7A2DC0-1816-4DBF-B4D2-116C6DFCF4AE}" type="datetime1">
               <a:rPr lang="en-US" smtClean="0"/>
-              <a:t>1/16/2025</a:t>
+              <a:t>2/4/2025</a:t>
             </a:fld>
             <a:endParaRPr lang="en-US" dirty="0"/>
           </a:p>
@@ -3420,7 +3420,7 @@
           <a:p>
             <a:fld id="{90D75554-0E54-4974-9C85-4CAE4B5E6965}" type="datetime1">
               <a:rPr lang="en-US" smtClean="0"/>
-              <a:t>1/16/2025</a:t>
+              <a:t>2/4/2025</a:t>
             </a:fld>
             <a:endParaRPr lang="en-US" dirty="0"/>
           </a:p>
@@ -3671,7 +3671,7 @@
           <a:p>
             <a:fld id="{F17334EC-9BF4-4EA6-AB11-0710246ECB3D}" type="datetime1">
               <a:rPr lang="en-US" smtClean="0"/>
-              <a:t>1/16/2025</a:t>
+              <a:t>2/4/2025</a:t>
             </a:fld>
             <a:endParaRPr lang="en-US" dirty="0"/>
           </a:p>
@@ -3907,7 +3907,7 @@
           <a:p>
             <a:fld id="{1C309F3D-484C-451C-A1F7-8A6B95CAC6ED}" type="datetime1">
               <a:rPr lang="en-US" smtClean="0"/>
-              <a:t>1/16/2025</a:t>
+              <a:t>2/4/2025</a:t>
             </a:fld>
             <a:endParaRPr lang="en-US" dirty="0"/>
           </a:p>
@@ -4285,7 +4285,7 @@
           <a:p>
             <a:fld id="{C9A9F804-DF52-487C-85B8-37B814D93356}" type="datetime1">
               <a:rPr lang="en-US" smtClean="0"/>
-              <a:t>1/16/2025</a:t>
+              <a:t>2/4/2025</a:t>
             </a:fld>
             <a:endParaRPr lang="en-US" dirty="0"/>
           </a:p>
@@ -4412,7 +4412,7 @@
           <a:p>
             <a:fld id="{1D720BD6-06A3-446D-98BF-4E82427C640A}" type="datetime1">
               <a:rPr lang="en-US" smtClean="0"/>
-              <a:t>1/16/2025</a:t>
+              <a:t>2/4/2025</a:t>
             </a:fld>
             <a:endParaRPr lang="en-US" dirty="0"/>
           </a:p>
@@ -4511,7 +4511,7 @@
           <a:p>
             <a:fld id="{EFD787C8-6B34-43D8-8D62-995D61C4878A}" type="datetime1">
               <a:rPr lang="en-US" smtClean="0"/>
-              <a:t>1/16/2025</a:t>
+              <a:t>2/4/2025</a:t>
             </a:fld>
             <a:endParaRPr lang="en-US" dirty="0"/>
           </a:p>
@@ -4770,7 +4770,7 @@
           <a:p>
             <a:fld id="{3069DEF7-9D7F-4140-BC2F-D2BFE81FAD9D}" type="datetime1">
               <a:rPr lang="en-US" smtClean="0"/>
-              <a:t>1/16/2025</a:t>
+              <a:t>2/4/2025</a:t>
             </a:fld>
             <a:endParaRPr lang="en-US" dirty="0"/>
           </a:p>
@@ -5037,7 +5037,7 @@
           <a:p>
             <a:fld id="{79C4BAC1-7203-4051-8E1E-2AB1B3A3A7FB}" type="datetime1">
               <a:rPr lang="en-US" smtClean="0"/>
-              <a:t>1/16/2025</a:t>
+              <a:t>2/4/2025</a:t>
             </a:fld>
             <a:endParaRPr lang="en-US" dirty="0"/>
           </a:p>
@@ -5784,7 +5784,7 @@
           <a:p>
             <a:fld id="{1C8FC6C5-B26B-49E9-8DF9-221F4390CC00}" type="datetime1">
               <a:rPr lang="en-US" smtClean="0"/>
-              <a:t>1/16/2025</a:t>
+              <a:t>2/4/2025</a:t>
             </a:fld>
             <a:endParaRPr lang="en-US" dirty="0"/>
           </a:p>
@@ -19670,7 +19670,31 @@
                   <a:srgbClr val="FF0000"/>
                 </a:solidFill>
               </a:rPr>
-              <a:t> –u </a:t>
+              <a:t> </a:t>
+            </a:r>
+            <a:r>
+              <a:rPr lang="fr-FR" b="1" dirty="0" err="1">
+                <a:solidFill>
+                  <a:srgbClr val="FF0000"/>
+                </a:solidFill>
+              </a:rPr>
+              <a:t>save</a:t>
+            </a:r>
+            <a:r>
+              <a:rPr lang="fr-FR" b="1">
+                <a:solidFill>
+                  <a:srgbClr val="FF0000"/>
+                </a:solidFill>
+              </a:rPr>
+              <a:t> ‘‘message’’ </a:t>
+            </a:r>
+            <a:r>
+              <a:rPr lang="fr-FR" b="1" dirty="0">
+                <a:solidFill>
+                  <a:srgbClr val="FF0000"/>
+                </a:solidFill>
+              </a:rPr>
+              <a:t>–u </a:t>
             </a:r>
             <a:r>
               <a:rPr lang="fr-FR" dirty="0"/>
